--- a/Lesson 36.pptx
+++ b/Lesson 36.pptx
@@ -255,7 +255,7 @@
           <a:p>
             <a:fld id="{92779038-4ADC-44DE-874A-1C187E21BBC2}" type="datetimeFigureOut">
               <a:rPr lang="en-US" smtClean="0"/>
-              <a:t>12/18/2023</a:t>
+              <a:t>12/26/2023</a:t>
             </a:fld>
             <a:endParaRPr lang="en-US"/>
           </a:p>
@@ -3875,8 +3875,8 @@
           </a:p>
         </p:txBody>
       </p:sp>
-      <mc:AlternateContent xmlns:mc="http://schemas.openxmlformats.org/markup-compatibility/2006">
-        <mc:Choice xmlns:a14="http://schemas.microsoft.com/office/drawing/2010/main" Requires="a14">
+      <mc:AlternateContent xmlns:mc="http://schemas.openxmlformats.org/markup-compatibility/2006" xmlns:a14="http://schemas.microsoft.com/office/drawing/2010/main">
+        <mc:Choice Requires="a14">
           <p:sp>
             <p:nvSpPr>
               <p:cNvPr id="13315" name="Rectangle 3"/>
@@ -4239,7 +4239,7 @@
             </p:txBody>
           </p:sp>
         </mc:Choice>
-        <mc:Fallback>
+        <mc:Fallback xmlns="">
           <p:sp>
             <p:nvSpPr>
               <p:cNvPr id="13315" name="Rectangle 3"/>
@@ -4525,8 +4525,17 @@
                   <a:rPr lang="en-US" altLang="en-US" sz="3000" dirty="0">
                     <a:sym typeface="Math1" pitchFamily="2" charset="2"/>
                   </a:rPr>
-                  <a:t>is the CFG in CNF.</a:t>
-                </a:r>
+                  <a:t>is the CFG in </a:t>
+                </a:r>
+                <a:r>
+                  <a:rPr lang="en-US" altLang="en-US" sz="3000" dirty="0" smtClean="0">
+                    <a:sym typeface="Math1" pitchFamily="2" charset="2"/>
+                  </a:rPr>
+                  <a:t>CNF?</a:t>
+                </a:r>
+                <a:endParaRPr lang="en-US" altLang="en-US" sz="3000" dirty="0">
+                  <a:sym typeface="Math1" pitchFamily="2" charset="2"/>
+                </a:endParaRPr>
               </a:p>
               <a:p>
                 <a:pPr>
@@ -4632,8 +4641,8 @@
           </a:p>
         </p:txBody>
       </p:sp>
-      <mc:AlternateContent xmlns:mc="http://schemas.openxmlformats.org/markup-compatibility/2006">
-        <mc:Choice xmlns:a14="http://schemas.microsoft.com/office/drawing/2010/main" Requires="a14">
+      <mc:AlternateContent xmlns:mc="http://schemas.openxmlformats.org/markup-compatibility/2006" xmlns:a14="http://schemas.microsoft.com/office/drawing/2010/main">
+        <mc:Choice Requires="a14">
           <p:sp>
             <p:nvSpPr>
               <p:cNvPr id="15363" name="Rectangle 3"/>
@@ -4796,7 +4805,7 @@
             </p:txBody>
           </p:sp>
         </mc:Choice>
-        <mc:Fallback>
+        <mc:Fallback xmlns="">
           <p:sp>
             <p:nvSpPr>
               <p:cNvPr id="15363" name="Rectangle 3"/>
@@ -5004,8 +5013,8 @@
           </a:p>
         </p:txBody>
       </p:sp>
-      <mc:AlternateContent xmlns:mc="http://schemas.openxmlformats.org/markup-compatibility/2006">
-        <mc:Choice xmlns:a14="http://schemas.microsoft.com/office/drawing/2010/main" Requires="a14">
+      <mc:AlternateContent xmlns:mc="http://schemas.openxmlformats.org/markup-compatibility/2006" xmlns:a14="http://schemas.microsoft.com/office/drawing/2010/main">
+        <mc:Choice Requires="a14">
           <p:sp>
             <p:nvSpPr>
               <p:cNvPr id="22531" name="Rectangle 3"/>
@@ -5205,7 +5214,7 @@
             </p:txBody>
           </p:sp>
         </mc:Choice>
-        <mc:Fallback>
+        <mc:Fallback xmlns="">
           <p:sp>
             <p:nvSpPr>
               <p:cNvPr id="22531" name="Rectangle 3"/>
@@ -5293,8 +5302,8 @@
           </a:p>
         </p:txBody>
       </p:sp>
-      <mc:AlternateContent xmlns:mc="http://schemas.openxmlformats.org/markup-compatibility/2006">
-        <mc:Choice xmlns:a14="http://schemas.microsoft.com/office/drawing/2010/main" Requires="a14">
+      <mc:AlternateContent xmlns:mc="http://schemas.openxmlformats.org/markup-compatibility/2006" xmlns:a14="http://schemas.microsoft.com/office/drawing/2010/main">
+        <mc:Choice Requires="a14">
           <p:sp>
             <p:nvSpPr>
               <p:cNvPr id="23555" name="Rectangle 3"/>
@@ -5330,13 +5339,7 @@
                   <a:rPr lang="en-US" altLang="en-US" sz="3000" dirty="0">
                     <a:sym typeface="Math1" pitchFamily="2" charset="2"/>
                   </a:rPr>
-                  <a:t>S	</a:t>
-                </a:r>
-                <a:r>
-                  <a:rPr lang="en-US" altLang="en-US" sz="3000" dirty="0">
-                    <a:sym typeface="Math1" pitchFamily="2" charset="2"/>
-                  </a:rPr>
-                  <a:t> </a:t>
+                  <a:t>S	 </a:t>
                 </a:r>
                 <a14:m>
                   <m:oMath xmlns:m="http://schemas.openxmlformats.org/officeDocument/2006/math">
@@ -5380,13 +5383,7 @@
                   <a:rPr lang="en-US" altLang="en-US" sz="3000" dirty="0">
                     <a:sym typeface="Math1" pitchFamily="2" charset="2"/>
                   </a:rPr>
-                  <a:t>	    	</a:t>
-                </a:r>
-                <a:r>
-                  <a:rPr lang="en-US" altLang="en-US" sz="3000" dirty="0">
-                    <a:sym typeface="Math1" pitchFamily="2" charset="2"/>
-                  </a:rPr>
-                  <a:t> </a:t>
+                  <a:t>	    	 </a:t>
                 </a:r>
                 <a14:m>
                   <m:oMath xmlns:m="http://schemas.openxmlformats.org/officeDocument/2006/math">
@@ -5430,13 +5427,7 @@
                   <a:rPr lang="en-US" altLang="en-US" sz="3000" dirty="0">
                     <a:sym typeface="Math1" pitchFamily="2" charset="2"/>
                   </a:rPr>
-                  <a:t>		</a:t>
-                </a:r>
-                <a:r>
-                  <a:rPr lang="en-US" altLang="en-US" sz="3000" dirty="0">
-                    <a:sym typeface="Math1" pitchFamily="2" charset="2"/>
-                  </a:rPr>
-                  <a:t> </a:t>
+                  <a:t>		 </a:t>
                 </a:r>
                 <a14:m>
                   <m:oMath xmlns:m="http://schemas.openxmlformats.org/officeDocument/2006/math">
@@ -5489,13 +5480,7 @@
                   <a:rPr lang="en-US" altLang="en-US" sz="3000" dirty="0">
                     <a:sym typeface="Math1" pitchFamily="2" charset="2"/>
                   </a:rPr>
-                  <a:t>		</a:t>
-                </a:r>
-                <a:r>
-                  <a:rPr lang="en-US" altLang="en-US" sz="3000" dirty="0">
-                    <a:sym typeface="Math1" pitchFamily="2" charset="2"/>
-                  </a:rPr>
-                  <a:t> </a:t>
+                  <a:t>		 </a:t>
                 </a:r>
                 <a14:m>
                   <m:oMath xmlns:m="http://schemas.openxmlformats.org/officeDocument/2006/math">
@@ -5548,13 +5533,7 @@
                   <a:rPr lang="en-US" altLang="en-US" sz="3000" dirty="0">
                     <a:sym typeface="Math1" pitchFamily="2" charset="2"/>
                   </a:rPr>
-                  <a:t>		</a:t>
-                </a:r>
-                <a:r>
-                  <a:rPr lang="en-US" altLang="en-US" sz="3000" dirty="0">
-                    <a:sym typeface="Math1" pitchFamily="2" charset="2"/>
-                  </a:rPr>
-                  <a:t> </a:t>
+                  <a:t>		 </a:t>
                 </a:r>
                 <a14:m>
                   <m:oMath xmlns:m="http://schemas.openxmlformats.org/officeDocument/2006/math">
@@ -5607,13 +5586,7 @@
                   <a:rPr lang="en-US" altLang="en-US" sz="3000" dirty="0">
                     <a:sym typeface="Math1" pitchFamily="2" charset="2"/>
                   </a:rPr>
-                  <a:t>		</a:t>
-                </a:r>
-                <a:r>
-                  <a:rPr lang="en-US" altLang="en-US" sz="3000" dirty="0">
-                    <a:sym typeface="Math1" pitchFamily="2" charset="2"/>
-                  </a:rPr>
-                  <a:t> </a:t>
+                  <a:t>		 </a:t>
                 </a:r>
                 <a14:m>
                   <m:oMath xmlns:m="http://schemas.openxmlformats.org/officeDocument/2006/math">
@@ -5660,13 +5633,7 @@
                   <a:rPr lang="en-US" altLang="en-US" sz="3000" dirty="0">
                     <a:sym typeface="Math1" pitchFamily="2" charset="2"/>
                   </a:rPr>
-                  <a:t>		</a:t>
-                </a:r>
-                <a:r>
-                  <a:rPr lang="en-US" altLang="en-US" sz="3000" dirty="0">
-                    <a:sym typeface="Math1" pitchFamily="2" charset="2"/>
-                  </a:rPr>
-                  <a:t> </a:t>
+                  <a:t>		 </a:t>
                 </a:r>
                 <a14:m>
                   <m:oMath xmlns:m="http://schemas.openxmlformats.org/officeDocument/2006/math">
@@ -5719,13 +5686,7 @@
                   <a:rPr lang="en-US" altLang="en-US" sz="3000" dirty="0">
                     <a:sym typeface="Math1" pitchFamily="2" charset="2"/>
                   </a:rPr>
-                  <a:t>		</a:t>
-                </a:r>
-                <a:r>
-                  <a:rPr lang="en-US" altLang="en-US" sz="3000" dirty="0">
-                    <a:sym typeface="Math1" pitchFamily="2" charset="2"/>
-                  </a:rPr>
-                  <a:t> </a:t>
+                  <a:t>		 </a:t>
                 </a:r>
                 <a14:m>
                   <m:oMath xmlns:m="http://schemas.openxmlformats.org/officeDocument/2006/math">
@@ -5787,7 +5748,7 @@
             </p:txBody>
           </p:sp>
         </mc:Choice>
-        <mc:Fallback>
+        <mc:Fallback xmlns="">
           <p:sp>
             <p:nvSpPr>
               <p:cNvPr id="23555" name="Rectangle 3"/>
@@ -5825,8 +5786,8 @@
           </p:sp>
         </mc:Fallback>
       </mc:AlternateContent>
-      <mc:AlternateContent xmlns:mc="http://schemas.openxmlformats.org/markup-compatibility/2006">
-        <mc:Choice xmlns:a14="http://schemas.microsoft.com/office/drawing/2010/main" Requires="a14">
+      <mc:AlternateContent xmlns:mc="http://schemas.openxmlformats.org/markup-compatibility/2006" xmlns:a14="http://schemas.microsoft.com/office/drawing/2010/main">
+        <mc:Choice Requires="a14">
           <p:sp>
             <p:nvSpPr>
               <p:cNvPr id="23556" name="Rectangle 4"/>
@@ -5994,13 +5955,7 @@
                   <a:rPr lang="en-US" altLang="en-US" sz="3000" dirty="0">
                     <a:sym typeface="Math1" pitchFamily="2" charset="2"/>
                   </a:rPr>
-                  <a:t>S	</a:t>
-                </a:r>
-                <a:r>
-                  <a:rPr lang="en-US" altLang="en-US" sz="3000" dirty="0">
-                    <a:sym typeface="Math1" pitchFamily="2" charset="2"/>
-                  </a:rPr>
-                  <a:t> </a:t>
+                  <a:t>S	 </a:t>
                 </a:r>
                 <a14:m>
                   <m:oMath xmlns:m="http://schemas.openxmlformats.org/officeDocument/2006/math">
@@ -6045,13 +6000,7 @@
                   <a:rPr lang="en-US" altLang="en-US" sz="3000" dirty="0">
                     <a:sym typeface="Math1" pitchFamily="2" charset="2"/>
                   </a:rPr>
-                  <a:t>	    	</a:t>
-                </a:r>
-                <a:r>
-                  <a:rPr lang="en-US" altLang="en-US" sz="3000" dirty="0">
-                    <a:sym typeface="Math1" pitchFamily="2" charset="2"/>
-                  </a:rPr>
-                  <a:t> </a:t>
+                  <a:t>	    	 </a:t>
                 </a:r>
                 <a14:m>
                   <m:oMath xmlns:m="http://schemas.openxmlformats.org/officeDocument/2006/math">
@@ -6096,13 +6045,7 @@
                   <a:rPr lang="en-US" altLang="en-US" sz="3000" dirty="0">
                     <a:sym typeface="Math1" pitchFamily="2" charset="2"/>
                   </a:rPr>
-                  <a:t>		</a:t>
-                </a:r>
-                <a:r>
-                  <a:rPr lang="en-US" altLang="en-US" sz="3000" dirty="0">
-                    <a:sym typeface="Math1" pitchFamily="2" charset="2"/>
-                  </a:rPr>
-                  <a:t> </a:t>
+                  <a:t>		 </a:t>
                 </a:r>
                 <a14:m>
                   <m:oMath xmlns:m="http://schemas.openxmlformats.org/officeDocument/2006/math">
@@ -6147,13 +6090,7 @@
                   <a:rPr lang="en-US" altLang="en-US" sz="3000" dirty="0">
                     <a:sym typeface="Math1" pitchFamily="2" charset="2"/>
                   </a:rPr>
-                  <a:t>		</a:t>
-                </a:r>
-                <a:r>
-                  <a:rPr lang="en-US" altLang="en-US" sz="3000" dirty="0">
-                    <a:sym typeface="Math1" pitchFamily="2" charset="2"/>
-                  </a:rPr>
-                  <a:t> </a:t>
+                  <a:t>		 </a:t>
                 </a:r>
                 <a14:m>
                   <m:oMath xmlns:m="http://schemas.openxmlformats.org/officeDocument/2006/math">
@@ -6207,13 +6144,7 @@
                   <a:rPr lang="en-US" altLang="en-US" sz="3000" dirty="0">
                     <a:sym typeface="Math1" pitchFamily="2" charset="2"/>
                   </a:rPr>
-                  <a:t>		</a:t>
-                </a:r>
-                <a:r>
-                  <a:rPr lang="en-US" altLang="en-US" sz="3000" dirty="0">
-                    <a:sym typeface="Math1" pitchFamily="2" charset="2"/>
-                  </a:rPr>
-                  <a:t> </a:t>
+                  <a:t>		 </a:t>
                 </a:r>
                 <a14:m>
                   <m:oMath xmlns:m="http://schemas.openxmlformats.org/officeDocument/2006/math">
@@ -6267,13 +6198,7 @@
                   <a:rPr lang="en-US" altLang="en-US" sz="3000" dirty="0">
                     <a:sym typeface="Math1" pitchFamily="2" charset="2"/>
                   </a:rPr>
-                  <a:t>		</a:t>
-                </a:r>
-                <a:r>
-                  <a:rPr lang="en-US" altLang="en-US" sz="3000" dirty="0">
-                    <a:sym typeface="Math1" pitchFamily="2" charset="2"/>
-                  </a:rPr>
-                  <a:t> </a:t>
+                  <a:t>		 </a:t>
                 </a:r>
                 <a14:m>
                   <m:oMath xmlns:m="http://schemas.openxmlformats.org/officeDocument/2006/math">
@@ -6321,13 +6246,7 @@
                   <a:rPr lang="en-US" altLang="en-US" sz="3000" dirty="0">
                     <a:sym typeface="Math1" pitchFamily="2" charset="2"/>
                   </a:rPr>
-                  <a:t>		</a:t>
-                </a:r>
-                <a:r>
-                  <a:rPr lang="en-US" altLang="en-US" sz="3000" dirty="0">
-                    <a:sym typeface="Math1" pitchFamily="2" charset="2"/>
-                  </a:rPr>
-                  <a:t> </a:t>
+                  <a:t>		 </a:t>
                 </a:r>
                 <a14:m>
                   <m:oMath xmlns:m="http://schemas.openxmlformats.org/officeDocument/2006/math">
@@ -6381,13 +6300,7 @@
                   <a:rPr lang="en-US" altLang="en-US" sz="3000" dirty="0">
                     <a:sym typeface="Math1" pitchFamily="2" charset="2"/>
                   </a:rPr>
-                  <a:t>		</a:t>
-                </a:r>
-                <a:r>
-                  <a:rPr lang="en-US" altLang="en-US" sz="3000" dirty="0">
-                    <a:sym typeface="Math1" pitchFamily="2" charset="2"/>
-                  </a:rPr>
-                  <a:t> </a:t>
+                  <a:t>		 </a:t>
                 </a:r>
                 <a14:m>
                   <m:oMath xmlns:m="http://schemas.openxmlformats.org/officeDocument/2006/math">
@@ -6450,7 +6363,7 @@
             </p:txBody>
           </p:sp>
         </mc:Choice>
-        <mc:Fallback>
+        <mc:Fallback xmlns="">
           <p:sp>
             <p:nvSpPr>
               <p:cNvPr id="23556" name="Rectangle 4"/>
@@ -6576,8 +6489,8 @@
           </a:p>
         </p:txBody>
       </p:sp>
-      <mc:AlternateContent xmlns:mc="http://schemas.openxmlformats.org/markup-compatibility/2006">
-        <mc:Choice xmlns:a14="http://schemas.microsoft.com/office/drawing/2010/main" Requires="a14">
+      <mc:AlternateContent xmlns:mc="http://schemas.openxmlformats.org/markup-compatibility/2006" xmlns:a14="http://schemas.microsoft.com/office/drawing/2010/main">
+        <mc:Choice Requires="a14">
           <p:sp>
             <p:nvSpPr>
               <p:cNvPr id="24579" name="Rectangle 3"/>
@@ -6655,13 +6568,7 @@
                   <a:rPr lang="en-US" altLang="en-US" sz="3000" dirty="0">
                     <a:sym typeface="Math1" pitchFamily="2" charset="2"/>
                   </a:rPr>
-                  <a:t>S</a:t>
-                </a:r>
-                <a:r>
-                  <a:rPr lang="en-US" altLang="en-US" sz="3000" dirty="0">
-                    <a:sym typeface="Math1" pitchFamily="2" charset="2"/>
-                  </a:rPr>
-                  <a:t> </a:t>
+                  <a:t>S </a:t>
                 </a:r>
                 <a14:m>
                   <m:oMath xmlns:m="http://schemas.openxmlformats.org/officeDocument/2006/math">
@@ -6799,7 +6706,7 @@
             </p:txBody>
           </p:sp>
         </mc:Choice>
-        <mc:Fallback>
+        <mc:Fallback xmlns="">
           <p:sp>
             <p:nvSpPr>
               <p:cNvPr id="24579" name="Rectangle 3"/>
@@ -6892,8 +6799,8 @@
           </a:p>
         </p:txBody>
       </p:sp>
-      <mc:AlternateContent xmlns:mc="http://schemas.openxmlformats.org/markup-compatibility/2006">
-        <mc:Choice xmlns:a14="http://schemas.microsoft.com/office/drawing/2010/main" Requires="a14">
+      <mc:AlternateContent xmlns:mc="http://schemas.openxmlformats.org/markup-compatibility/2006" xmlns:a14="http://schemas.microsoft.com/office/drawing/2010/main">
+        <mc:Choice Requires="a14">
           <p:sp>
             <p:nvSpPr>
               <p:cNvPr id="25603" name="Rectangle 3"/>
@@ -6929,13 +6836,7 @@
                   <a:rPr lang="en-US" altLang="en-US" sz="3000" dirty="0">
                     <a:sym typeface="Math1" pitchFamily="2" charset="2"/>
                   </a:rPr>
-                  <a:t>S	</a:t>
-                </a:r>
-                <a:r>
-                  <a:rPr lang="en-US" altLang="en-US" sz="3000" dirty="0">
-                    <a:sym typeface="Math1" pitchFamily="2" charset="2"/>
-                  </a:rPr>
-                  <a:t> </a:t>
+                  <a:t>S	 </a:t>
                 </a:r>
                 <a14:m>
                   <m:oMath xmlns:m="http://schemas.openxmlformats.org/officeDocument/2006/math">
@@ -6979,13 +6880,7 @@
                   <a:rPr lang="en-US" altLang="en-US" sz="3000" dirty="0">
                     <a:sym typeface="Math1" pitchFamily="2" charset="2"/>
                   </a:rPr>
-                  <a:t>	    	</a:t>
-                </a:r>
-                <a:r>
-                  <a:rPr lang="en-US" altLang="en-US" sz="3000" dirty="0">
-                    <a:sym typeface="Math1" pitchFamily="2" charset="2"/>
-                  </a:rPr>
-                  <a:t> </a:t>
+                  <a:t>	    	 </a:t>
                 </a:r>
                 <a14:m>
                   <m:oMath xmlns:m="http://schemas.openxmlformats.org/officeDocument/2006/math">
@@ -7032,13 +6927,7 @@
                   <a:rPr lang="en-US" altLang="en-US" sz="3000" dirty="0">
                     <a:sym typeface="Math1" pitchFamily="2" charset="2"/>
                   </a:rPr>
-                  <a:t>		</a:t>
-                </a:r>
-                <a:r>
-                  <a:rPr lang="en-US" altLang="en-US" sz="3000" dirty="0">
-                    <a:sym typeface="Math1" pitchFamily="2" charset="2"/>
-                  </a:rPr>
-                  <a:t> </a:t>
+                  <a:t>		 </a:t>
                 </a:r>
                 <a14:m>
                   <m:oMath xmlns:m="http://schemas.openxmlformats.org/officeDocument/2006/math">
@@ -7091,13 +6980,7 @@
                   <a:rPr lang="en-US" altLang="en-US" sz="3000" dirty="0">
                     <a:sym typeface="Math1" pitchFamily="2" charset="2"/>
                   </a:rPr>
-                  <a:t>		</a:t>
-                </a:r>
-                <a:r>
-                  <a:rPr lang="en-US" altLang="en-US" sz="3000" dirty="0">
-                    <a:sym typeface="Math1" pitchFamily="2" charset="2"/>
-                  </a:rPr>
-                  <a:t> </a:t>
+                  <a:t>		 </a:t>
                 </a:r>
                 <a14:m>
                   <m:oMath xmlns:m="http://schemas.openxmlformats.org/officeDocument/2006/math">
@@ -7144,13 +7027,7 @@
                   <a:rPr lang="en-US" altLang="en-US" sz="3000" dirty="0">
                     <a:sym typeface="Math1" pitchFamily="2" charset="2"/>
                   </a:rPr>
-                  <a:t>		</a:t>
-                </a:r>
-                <a:r>
-                  <a:rPr lang="en-US" altLang="en-US" sz="3000" dirty="0">
-                    <a:sym typeface="Math1" pitchFamily="2" charset="2"/>
-                  </a:rPr>
-                  <a:t> </a:t>
+                  <a:t>		 </a:t>
                 </a:r>
                 <a14:m>
                   <m:oMath xmlns:m="http://schemas.openxmlformats.org/officeDocument/2006/math">
@@ -7203,13 +7080,7 @@
                   <a:rPr lang="en-US" altLang="en-US" sz="3000" dirty="0">
                     <a:sym typeface="Math1" pitchFamily="2" charset="2"/>
                   </a:rPr>
-                  <a:t>		</a:t>
-                </a:r>
-                <a:r>
-                  <a:rPr lang="en-US" altLang="en-US" sz="3000" dirty="0">
-                    <a:sym typeface="Math1" pitchFamily="2" charset="2"/>
-                  </a:rPr>
-                  <a:t> </a:t>
+                  <a:t>		 </a:t>
                 </a:r>
                 <a14:m>
                   <m:oMath xmlns:m="http://schemas.openxmlformats.org/officeDocument/2006/math">
@@ -7256,13 +7127,7 @@
                   <a:rPr lang="en-US" altLang="en-US" sz="3000" dirty="0">
                     <a:sym typeface="Math1" pitchFamily="2" charset="2"/>
                   </a:rPr>
-                  <a:t>		</a:t>
-                </a:r>
-                <a:r>
-                  <a:rPr lang="en-US" altLang="en-US" sz="3000" dirty="0">
-                    <a:sym typeface="Math1" pitchFamily="2" charset="2"/>
-                  </a:rPr>
-                  <a:t> </a:t>
+                  <a:t>		 </a:t>
                 </a:r>
                 <a14:m>
                   <m:oMath xmlns:m="http://schemas.openxmlformats.org/officeDocument/2006/math">
@@ -7315,13 +7180,7 @@
                   <a:rPr lang="en-US" altLang="en-US" sz="3000" dirty="0">
                     <a:sym typeface="Math1" pitchFamily="2" charset="2"/>
                   </a:rPr>
-                  <a:t>		</a:t>
-                </a:r>
-                <a:r>
-                  <a:rPr lang="en-US" altLang="en-US" sz="3000" dirty="0">
-                    <a:sym typeface="Math1" pitchFamily="2" charset="2"/>
-                  </a:rPr>
-                  <a:t> </a:t>
+                  <a:t>		 </a:t>
                 </a:r>
                 <a14:m>
                   <m:oMath xmlns:m="http://schemas.openxmlformats.org/officeDocument/2006/math">
@@ -7381,7 +7240,7 @@
             </p:txBody>
           </p:sp>
         </mc:Choice>
-        <mc:Fallback>
+        <mc:Fallback xmlns="">
           <p:sp>
             <p:nvSpPr>
               <p:cNvPr id="25603" name="Rectangle 3"/>
@@ -7419,8 +7278,8 @@
           </p:sp>
         </mc:Fallback>
       </mc:AlternateContent>
-      <mc:AlternateContent xmlns:mc="http://schemas.openxmlformats.org/markup-compatibility/2006">
-        <mc:Choice xmlns:a14="http://schemas.microsoft.com/office/drawing/2010/main" Requires="a14">
+      <mc:AlternateContent xmlns:mc="http://schemas.openxmlformats.org/markup-compatibility/2006" xmlns:a14="http://schemas.microsoft.com/office/drawing/2010/main">
+        <mc:Choice Requires="a14">
           <p:sp>
             <p:nvSpPr>
               <p:cNvPr id="25604" name="Rectangle 4"/>
@@ -7588,13 +7447,7 @@
                   <a:rPr lang="en-US" altLang="en-US" sz="3000" dirty="0">
                     <a:sym typeface="Math1" pitchFamily="2" charset="2"/>
                   </a:rPr>
-                  <a:t>S	</a:t>
-                </a:r>
-                <a:r>
-                  <a:rPr lang="en-US" altLang="en-US" sz="3000" dirty="0">
-                    <a:sym typeface="Math1" pitchFamily="2" charset="2"/>
-                  </a:rPr>
-                  <a:t> </a:t>
+                  <a:t>S	 </a:t>
                 </a:r>
                 <a14:m>
                   <m:oMath xmlns:m="http://schemas.openxmlformats.org/officeDocument/2006/math">
@@ -7633,13 +7486,7 @@
                   <a:rPr lang="en-US" altLang="en-US" sz="3000" dirty="0">
                     <a:sym typeface="Math1" pitchFamily="2" charset="2"/>
                   </a:rPr>
-                  <a:t>	    	</a:t>
-                </a:r>
-                <a:r>
-                  <a:rPr lang="en-US" altLang="en-US" sz="3000" dirty="0">
-                    <a:sym typeface="Math1" pitchFamily="2" charset="2"/>
-                  </a:rPr>
-                  <a:t> </a:t>
+                  <a:t>	    	 </a:t>
                 </a:r>
                 <a14:m>
                   <m:oMath xmlns:m="http://schemas.openxmlformats.org/officeDocument/2006/math">
@@ -7678,13 +7525,7 @@
                   <a:rPr lang="en-US" altLang="en-US" sz="3000" dirty="0">
                     <a:sym typeface="Math1" pitchFamily="2" charset="2"/>
                   </a:rPr>
-                  <a:t>		</a:t>
-                </a:r>
-                <a:r>
-                  <a:rPr lang="en-US" altLang="en-US" sz="3000" dirty="0">
-                    <a:sym typeface="Math1" pitchFamily="2" charset="2"/>
-                  </a:rPr>
-                  <a:t> </a:t>
+                  <a:t>		 </a:t>
                 </a:r>
                 <a14:m>
                   <m:oMath xmlns:m="http://schemas.openxmlformats.org/officeDocument/2006/math">
@@ -7738,13 +7579,7 @@
                   <a:rPr lang="en-US" altLang="en-US" sz="3000" dirty="0">
                     <a:sym typeface="Math1" pitchFamily="2" charset="2"/>
                   </a:rPr>
-                  <a:t>		</a:t>
-                </a:r>
-                <a:r>
-                  <a:rPr lang="en-US" altLang="en-US" sz="3000" dirty="0">
-                    <a:sym typeface="Math1" pitchFamily="2" charset="2"/>
-                  </a:rPr>
-                  <a:t> </a:t>
+                  <a:t>		 </a:t>
                 </a:r>
                 <a14:m>
                   <m:oMath xmlns:m="http://schemas.openxmlformats.org/officeDocument/2006/math">
@@ -7798,13 +7633,7 @@
                   <a:rPr lang="en-US" altLang="en-US" sz="3000" dirty="0">
                     <a:sym typeface="Math1" pitchFamily="2" charset="2"/>
                   </a:rPr>
-                  <a:t>		</a:t>
-                </a:r>
-                <a:r>
-                  <a:rPr lang="en-US" altLang="en-US" sz="3000" dirty="0">
-                    <a:sym typeface="Math1" pitchFamily="2" charset="2"/>
-                  </a:rPr>
-                  <a:t> </a:t>
+                  <a:t>		 </a:t>
                 </a:r>
                 <a14:m>
                   <m:oMath xmlns:m="http://schemas.openxmlformats.org/officeDocument/2006/math">
@@ -7858,13 +7687,7 @@
                   <a:rPr lang="en-US" altLang="en-US" sz="3000" dirty="0">
                     <a:sym typeface="Math1" pitchFamily="2" charset="2"/>
                   </a:rPr>
-                  <a:t>		</a:t>
-                </a:r>
-                <a:r>
-                  <a:rPr lang="en-US" altLang="en-US" sz="3000" dirty="0">
-                    <a:sym typeface="Math1" pitchFamily="2" charset="2"/>
-                  </a:rPr>
-                  <a:t> </a:t>
+                  <a:t>		 </a:t>
                 </a:r>
                 <a14:m>
                   <m:oMath xmlns:m="http://schemas.openxmlformats.org/officeDocument/2006/math">
@@ -7918,13 +7741,7 @@
                   <a:rPr lang="en-US" altLang="en-US" sz="3000" dirty="0">
                     <a:sym typeface="Math1" pitchFamily="2" charset="2"/>
                   </a:rPr>
-                  <a:t>		</a:t>
-                </a:r>
-                <a:r>
-                  <a:rPr lang="en-US" altLang="en-US" sz="3000" dirty="0">
-                    <a:sym typeface="Math1" pitchFamily="2" charset="2"/>
-                  </a:rPr>
-                  <a:t> </a:t>
+                  <a:t>		 </a:t>
                 </a:r>
                 <a14:m>
                   <m:oMath xmlns:m="http://schemas.openxmlformats.org/officeDocument/2006/math">
@@ -7978,13 +7795,7 @@
                   <a:rPr lang="en-US" altLang="en-US" sz="3000" dirty="0">
                     <a:sym typeface="Math1" pitchFamily="2" charset="2"/>
                   </a:rPr>
-                  <a:t>		</a:t>
-                </a:r>
-                <a:r>
-                  <a:rPr lang="en-US" altLang="en-US" sz="3000" dirty="0">
-                    <a:sym typeface="Math1" pitchFamily="2" charset="2"/>
-                  </a:rPr>
-                  <a:t> </a:t>
+                  <a:t>		 </a:t>
                 </a:r>
                 <a14:m>
                   <m:oMath xmlns:m="http://schemas.openxmlformats.org/officeDocument/2006/math">
@@ -8045,7 +7856,7 @@
             </p:txBody>
           </p:sp>
         </mc:Choice>
-        <mc:Fallback>
+        <mc:Fallback xmlns="">
           <p:sp>
             <p:nvSpPr>
               <p:cNvPr id="25604" name="Rectangle 4"/>
@@ -8263,8 +8074,8 @@
           </a:p>
         </p:txBody>
       </p:sp>
-      <mc:AlternateContent xmlns:mc="http://schemas.openxmlformats.org/markup-compatibility/2006">
-        <mc:Choice xmlns:a14="http://schemas.microsoft.com/office/drawing/2010/main" Requires="a14">
+      <mc:AlternateContent xmlns:mc="http://schemas.openxmlformats.org/markup-compatibility/2006" xmlns:a14="http://schemas.microsoft.com/office/drawing/2010/main">
+        <mc:Choice Requires="a14">
           <p:sp>
             <p:nvSpPr>
               <p:cNvPr id="26627" name="Rectangle 3"/>
@@ -8374,13 +8185,7 @@
                   <a:rPr lang="en-US" altLang="en-US" sz="2500" dirty="0" smtClean="0">
                     <a:sym typeface="Math1" pitchFamily="2" charset="2"/>
                   </a:rPr>
-                  <a:t> </a:t>
-                </a:r>
-                <a:r>
-                  <a:rPr lang="en-US" altLang="en-US" sz="2500" dirty="0" smtClean="0">
-                    <a:sym typeface="Math1" pitchFamily="2" charset="2"/>
-                  </a:rPr>
-                  <a:t>BC (only two non-terminals allowed at R.H.S)</a:t>
+                  <a:t> BC (only two non-terminals allowed at R.H.S)</a:t>
                 </a:r>
                 <a:endParaRPr lang="en-US" altLang="en-US" sz="2500" dirty="0">
                   <a:sym typeface="Math1" pitchFamily="2" charset="2"/>
@@ -8432,9 +8237,6 @@
                   </a:rPr>
                   <a:t>(only one terminal allowed at R.H.S)</a:t>
                 </a:r>
-                <a:endParaRPr lang="en-US" altLang="en-US" sz="2500" dirty="0" smtClean="0">
-                  <a:sym typeface="Math1" pitchFamily="2" charset="2"/>
-                </a:endParaRPr>
               </a:p>
               <a:p>
                 <a:pPr>
@@ -8512,7 +8314,7 @@
             </p:txBody>
           </p:sp>
         </mc:Choice>
-        <mc:Fallback>
+        <mc:Fallback xmlns="">
           <p:sp>
             <p:nvSpPr>
               <p:cNvPr id="26627" name="Rectangle 3"/>
@@ -8760,8 +8562,8 @@
           </a:p>
         </p:txBody>
       </p:sp>
-      <mc:AlternateContent xmlns:mc="http://schemas.openxmlformats.org/markup-compatibility/2006">
-        <mc:Choice xmlns:a14="http://schemas.microsoft.com/office/drawing/2010/main" Requires="a14">
+      <mc:AlternateContent xmlns:mc="http://schemas.openxmlformats.org/markup-compatibility/2006" xmlns:a14="http://schemas.microsoft.com/office/drawing/2010/main">
+        <mc:Choice Requires="a14">
           <p:sp>
             <p:nvSpPr>
               <p:cNvPr id="26627" name="Rectangle 3"/>
@@ -9057,7 +8859,7 @@
             </p:txBody>
           </p:sp>
         </mc:Choice>
-        <mc:Fallback>
+        <mc:Fallback xmlns="">
           <p:sp>
             <p:nvSpPr>
               <p:cNvPr id="26627" name="Rectangle 3"/>
@@ -9224,8 +9026,8 @@
           </a:p>
         </p:txBody>
       </p:sp>
-      <mc:AlternateContent xmlns:mc="http://schemas.openxmlformats.org/markup-compatibility/2006">
-        <mc:Choice xmlns:a14="http://schemas.microsoft.com/office/drawing/2010/main" Requires="a14">
+      <mc:AlternateContent xmlns:mc="http://schemas.openxmlformats.org/markup-compatibility/2006" xmlns:a14="http://schemas.microsoft.com/office/drawing/2010/main">
+        <mc:Choice Requires="a14">
           <p:sp>
             <p:nvSpPr>
               <p:cNvPr id="3" name="Rectangle 2"/>
@@ -9522,7 +9324,7 @@
             </p:txBody>
           </p:sp>
         </mc:Choice>
-        <mc:Fallback>
+        <mc:Fallback xmlns="">
           <p:sp>
             <p:nvSpPr>
               <p:cNvPr id="3" name="Rectangle 2"/>
@@ -10162,8 +9964,8 @@
           </a:p>
         </p:txBody>
       </p:sp>
-      <mc:AlternateContent xmlns:mc="http://schemas.openxmlformats.org/markup-compatibility/2006">
-        <mc:Choice xmlns:a14="http://schemas.microsoft.com/office/drawing/2010/main" Requires="a14">
+      <mc:AlternateContent xmlns:mc="http://schemas.openxmlformats.org/markup-compatibility/2006" xmlns:a14="http://schemas.microsoft.com/office/drawing/2010/main">
+        <mc:Choice Requires="a14">
           <p:sp>
             <p:nvSpPr>
               <p:cNvPr id="10243" name="Rectangle 3"/>
@@ -10425,7 +10227,7 @@
             </p:txBody>
           </p:sp>
         </mc:Choice>
-        <mc:Fallback>
+        <mc:Fallback xmlns="">
           <p:sp>
             <p:nvSpPr>
               <p:cNvPr id="10243" name="Rectangle 3"/>
@@ -10518,8 +10320,8 @@
           </a:p>
         </p:txBody>
       </p:sp>
-      <mc:AlternateContent xmlns:mc="http://schemas.openxmlformats.org/markup-compatibility/2006">
-        <mc:Choice xmlns:a14="http://schemas.microsoft.com/office/drawing/2010/main" Requires="a14">
+      <mc:AlternateContent xmlns:mc="http://schemas.openxmlformats.org/markup-compatibility/2006" xmlns:a14="http://schemas.microsoft.com/office/drawing/2010/main">
+        <mc:Choice Requires="a14">
           <p:sp>
             <p:nvSpPr>
               <p:cNvPr id="11267" name="Rectangle 3"/>
@@ -10834,7 +10636,7 @@
             </p:txBody>
           </p:sp>
         </mc:Choice>
-        <mc:Fallback>
+        <mc:Fallback xmlns="">
           <p:sp>
             <p:nvSpPr>
               <p:cNvPr id="11267" name="Rectangle 3"/>
@@ -10931,8 +10733,8 @@
           </a:p>
         </p:txBody>
       </p:sp>
-      <mc:AlternateContent xmlns:mc="http://schemas.openxmlformats.org/markup-compatibility/2006">
-        <mc:Choice xmlns:a14="http://schemas.microsoft.com/office/drawing/2010/main" Requires="a14">
+      <mc:AlternateContent xmlns:mc="http://schemas.openxmlformats.org/markup-compatibility/2006" xmlns:a14="http://schemas.microsoft.com/office/drawing/2010/main">
+        <mc:Choice Requires="a14">
           <p:sp>
             <p:nvSpPr>
               <p:cNvPr id="12291" name="Rectangle 3"/>
@@ -11400,7 +11202,7 @@
             </p:txBody>
           </p:sp>
         </mc:Choice>
-        <mc:Fallback>
+        <mc:Fallback xmlns="">
           <p:sp>
             <p:nvSpPr>
               <p:cNvPr id="12291" name="Rectangle 3"/>
